--- a/Final Combined Trading presentation– Sem 2.pptx
+++ b/Final Combined Trading presentation– Sem 2.pptx
@@ -15,9 +15,10 @@
     <p:sldId id="270" r:id="rId9"/>
     <p:sldId id="275" r:id="rId10"/>
     <p:sldId id="276" r:id="rId11"/>
-    <p:sldId id="274" r:id="rId12"/>
-    <p:sldId id="271" r:id="rId13"/>
-    <p:sldId id="272" r:id="rId14"/>
+    <p:sldId id="277" r:id="rId12"/>
+    <p:sldId id="274" r:id="rId13"/>
+    <p:sldId id="271" r:id="rId14"/>
+    <p:sldId id="272" r:id="rId15"/>
   </p:sldIdLst>
   <p:sldSz cx="12192000" cy="6858000"/>
   <p:notesSz cx="6858000" cy="9144000"/>
@@ -127,9 +128,117 @@
 <file path=ppt/revisionInfo.xml><?xml version="1.0" encoding="utf-8"?>
 <p1510:revInfo xmlns:a="http://schemas.openxmlformats.org/drawingml/2006/main" xmlns:r="http://schemas.openxmlformats.org/officeDocument/2006/relationships" xmlns:p1510="http://schemas.microsoft.com/office/powerpoint/2015/10/main">
   <p1510:revLst>
-    <p1510:client id="{15306498-9F37-41C3-8ECD-E01960CE89B0}" v="24" dt="2022-10-02T04:12:06.601"/>
+    <p1510:client id="{64207DCA-949F-4E54-835E-3FB6229402D4}" v="4" dt="2022-10-04T02:39:06.167"/>
   </p1510:revLst>
 </p1510:revInfo>
+</file>
+
+<file path=ppt/changesInfos/changesInfo1.xml><?xml version="1.0" encoding="utf-8"?>
+<pc:chgInfo xmlns:a="http://schemas.openxmlformats.org/drawingml/2006/main" xmlns:r="http://schemas.openxmlformats.org/officeDocument/2006/relationships" xmlns:ac="http://schemas.microsoft.com/office/drawing/2013/main/command" xmlns:pc="http://schemas.microsoft.com/office/powerpoint/2013/main/command">
+  <pc:docChgLst>
+    <pc:chgData name="Wai" userId="debf67db-a1f1-4015-a973-18e47c993b52" providerId="ADAL" clId="{64207DCA-949F-4E54-835E-3FB6229402D4}"/>
+    <pc:docChg chg="undo custSel addSld modSld">
+      <pc:chgData name="Wai" userId="debf67db-a1f1-4015-a973-18e47c993b52" providerId="ADAL" clId="{64207DCA-949F-4E54-835E-3FB6229402D4}" dt="2022-10-04T02:39:50.026" v="46" actId="1036"/>
+      <pc:docMkLst>
+        <pc:docMk/>
+      </pc:docMkLst>
+      <pc:sldChg chg="addSp delSp modSp mod">
+        <pc:chgData name="Wai" userId="debf67db-a1f1-4015-a973-18e47c993b52" providerId="ADAL" clId="{64207DCA-949F-4E54-835E-3FB6229402D4}" dt="2022-10-04T02:35:58.209" v="27" actId="1076"/>
+        <pc:sldMkLst>
+          <pc:docMk/>
+          <pc:sldMk cId="2447364906" sldId="274"/>
+        </pc:sldMkLst>
+        <pc:picChg chg="mod">
+          <ac:chgData name="Wai" userId="debf67db-a1f1-4015-a973-18e47c993b52" providerId="ADAL" clId="{64207DCA-949F-4E54-835E-3FB6229402D4}" dt="2022-10-04T02:35:58.209" v="27" actId="1076"/>
+          <ac:picMkLst>
+            <pc:docMk/>
+            <pc:sldMk cId="2447364906" sldId="274"/>
+            <ac:picMk id="3" creationId="{5CA05D07-FE69-ED52-1F5D-8C716411FD4B}"/>
+          </ac:picMkLst>
+        </pc:picChg>
+        <pc:picChg chg="add del mod">
+          <ac:chgData name="Wai" userId="debf67db-a1f1-4015-a973-18e47c993b52" providerId="ADAL" clId="{64207DCA-949F-4E54-835E-3FB6229402D4}" dt="2022-10-04T02:33:20.022" v="8" actId="931"/>
+          <ac:picMkLst>
+            <pc:docMk/>
+            <pc:sldMk cId="2447364906" sldId="274"/>
+            <ac:picMk id="4" creationId="{242650BB-8A94-7DB0-456E-16302969B960}"/>
+          </ac:picMkLst>
+        </pc:picChg>
+        <pc:picChg chg="add del mod">
+          <ac:chgData name="Wai" userId="debf67db-a1f1-4015-a973-18e47c993b52" providerId="ADAL" clId="{64207DCA-949F-4E54-835E-3FB6229402D4}" dt="2022-10-04T02:33:20.022" v="8" actId="931"/>
+          <ac:picMkLst>
+            <pc:docMk/>
+            <pc:sldMk cId="2447364906" sldId="274"/>
+            <ac:picMk id="6" creationId="{222ECB1C-396A-C8D5-231C-DC17B6C19E18}"/>
+          </ac:picMkLst>
+        </pc:picChg>
+        <pc:picChg chg="del">
+          <ac:chgData name="Wai" userId="debf67db-a1f1-4015-a973-18e47c993b52" providerId="ADAL" clId="{64207DCA-949F-4E54-835E-3FB6229402D4}" dt="2022-10-04T02:32:56.385" v="1" actId="478"/>
+          <ac:picMkLst>
+            <pc:docMk/>
+            <pc:sldMk cId="2447364906" sldId="274"/>
+            <ac:picMk id="8" creationId="{0835FA4F-00D6-380F-98F1-A8C6871D3B3C}"/>
+          </ac:picMkLst>
+        </pc:picChg>
+        <pc:picChg chg="add mod">
+          <ac:chgData name="Wai" userId="debf67db-a1f1-4015-a973-18e47c993b52" providerId="ADAL" clId="{64207DCA-949F-4E54-835E-3FB6229402D4}" dt="2022-10-04T02:33:50.490" v="25" actId="1076"/>
+          <ac:picMkLst>
+            <pc:docMk/>
+            <pc:sldMk cId="2447364906" sldId="274"/>
+            <ac:picMk id="9" creationId="{391FADAE-AD22-A9FA-C298-9907C7637255}"/>
+          </ac:picMkLst>
+        </pc:picChg>
+        <pc:picChg chg="del">
+          <ac:chgData name="Wai" userId="debf67db-a1f1-4015-a973-18e47c993b52" providerId="ADAL" clId="{64207DCA-949F-4E54-835E-3FB6229402D4}" dt="2022-10-04T02:32:55.856" v="0" actId="478"/>
+          <ac:picMkLst>
+            <pc:docMk/>
+            <pc:sldMk cId="2447364906" sldId="274"/>
+            <ac:picMk id="11" creationId="{210C10D6-B809-2C9E-E685-388330157865}"/>
+          </ac:picMkLst>
+        </pc:picChg>
+        <pc:picChg chg="add mod">
+          <ac:chgData name="Wai" userId="debf67db-a1f1-4015-a973-18e47c993b52" providerId="ADAL" clId="{64207DCA-949F-4E54-835E-3FB6229402D4}" dt="2022-10-04T02:35:56.802" v="26" actId="1076"/>
+          <ac:picMkLst>
+            <pc:docMk/>
+            <pc:sldMk cId="2447364906" sldId="274"/>
+            <ac:picMk id="14" creationId="{55DBBC24-452E-097B-176D-9212FAB5326F}"/>
+          </ac:picMkLst>
+        </pc:picChg>
+      </pc:sldChg>
+      <pc:sldChg chg="addSp delSp modSp add mod">
+        <pc:chgData name="Wai" userId="debf67db-a1f1-4015-a973-18e47c993b52" providerId="ADAL" clId="{64207DCA-949F-4E54-835E-3FB6229402D4}" dt="2022-10-04T02:39:50.026" v="46" actId="1036"/>
+        <pc:sldMkLst>
+          <pc:docMk/>
+          <pc:sldMk cId="3548023324" sldId="277"/>
+        </pc:sldMkLst>
+        <pc:spChg chg="mod">
+          <ac:chgData name="Wai" userId="debf67db-a1f1-4015-a973-18e47c993b52" providerId="ADAL" clId="{64207DCA-949F-4E54-835E-3FB6229402D4}" dt="2022-10-04T02:37:08.570" v="35" actId="20577"/>
+          <ac:spMkLst>
+            <pc:docMk/>
+            <pc:sldMk cId="3548023324" sldId="277"/>
+            <ac:spMk id="2" creationId="{6F1EA7D6-807B-23CF-A685-FDF20E9181D9}"/>
+          </ac:spMkLst>
+        </pc:spChg>
+        <pc:spChg chg="del">
+          <ac:chgData name="Wai" userId="debf67db-a1f1-4015-a973-18e47c993b52" providerId="ADAL" clId="{64207DCA-949F-4E54-835E-3FB6229402D4}" dt="2022-10-04T02:37:30.387" v="36" actId="478"/>
+          <ac:spMkLst>
+            <pc:docMk/>
+            <pc:sldMk cId="3548023324" sldId="277"/>
+            <ac:spMk id="3" creationId="{FEEA1C43-33EB-8933-2CCB-3A81EEC81E7B}"/>
+          </ac:spMkLst>
+        </pc:spChg>
+        <pc:picChg chg="add mod">
+          <ac:chgData name="Wai" userId="debf67db-a1f1-4015-a973-18e47c993b52" providerId="ADAL" clId="{64207DCA-949F-4E54-835E-3FB6229402D4}" dt="2022-10-04T02:39:50.026" v="46" actId="1036"/>
+          <ac:picMkLst>
+            <pc:docMk/>
+            <pc:sldMk cId="3548023324" sldId="277"/>
+            <ac:picMk id="5" creationId="{F411B69F-63A5-6F1B-421E-EB2D8477DEF7}"/>
+          </ac:picMkLst>
+        </pc:picChg>
+      </pc:sldChg>
+    </pc:docChg>
+  </pc:docChgLst>
+</pc:chgInfo>
 </file>
 
 <file path=ppt/slideLayouts/slideLayout1.xml><?xml version="1.0" encoding="utf-8"?>
@@ -4055,17 +4164,19 @@
       </p:sp>
       <p:sp>
         <p:nvSpPr>
-          <p:cNvPr id="12" name="Title 1">
-            <a:extLst>
-              <a:ext uri="{FF2B5EF4-FFF2-40B4-BE49-F238E27FC236}">
-                <a16:creationId xmlns:a16="http://schemas.microsoft.com/office/drawing/2014/main" id="{70C9DA38-3750-A7E9-F5E0-6BE8DD6EB085}"/>
-              </a:ext>
-            </a:extLst>
-          </p:cNvPr>
-          <p:cNvSpPr txBox="1">
-            <a:spLocks/>
-          </p:cNvSpPr>
-          <p:nvPr/>
+          <p:cNvPr id="2" name="Title 1">
+            <a:extLst>
+              <a:ext uri="{FF2B5EF4-FFF2-40B4-BE49-F238E27FC236}">
+                <a16:creationId xmlns:a16="http://schemas.microsoft.com/office/drawing/2014/main" id="{6F1EA7D6-807B-23CF-A685-FDF20E9181D9}"/>
+              </a:ext>
+            </a:extLst>
+          </p:cNvPr>
+          <p:cNvSpPr>
+            <a:spLocks noGrp="1"/>
+          </p:cNvSpPr>
+          <p:nvPr>
+            <p:ph type="title"/>
+          </p:nvPr>
         </p:nvSpPr>
         <p:spPr>
           <a:xfrm>
@@ -4085,28 +4196,10 @@
           </a:ln>
         </p:spPr>
         <p:txBody>
-          <a:bodyPr vert="horz" lIns="91440" tIns="45720" rIns="91440" bIns="45720" rtlCol="0" anchor="ctr">
+          <a:bodyPr>
             <a:normAutofit/>
           </a:bodyPr>
-          <a:lstStyle>
-            <a:lvl1pPr algn="l" defTabSz="914400" rtl="0" eaLnBrk="1" latinLnBrk="0" hangingPunct="1">
-              <a:lnSpc>
-                <a:spcPct val="90000"/>
-              </a:lnSpc>
-              <a:spcBef>
-                <a:spcPct val="0"/>
-              </a:spcBef>
-              <a:buNone/>
-              <a:defRPr sz="4400" kern="1200">
-                <a:solidFill>
-                  <a:schemeClr val="tx1"/>
-                </a:solidFill>
-                <a:latin typeface="+mj-lt"/>
-                <a:ea typeface="+mj-ea"/>
-                <a:cs typeface="+mj-cs"/>
-              </a:defRPr>
-            </a:lvl1pPr>
-          </a:lstStyle>
+          <a:lstStyle/>
           <a:p>
             <a:pPr algn="ctr">
               <a:spcAft>
@@ -4118,21 +4211,31 @@
                 <a:solidFill>
                   <a:schemeClr val="bg1"/>
                 </a:solidFill>
+                <a:effectLst/>
                 <a:latin typeface="Calibri" panose="020F0502020204030204" pitchFamily="34" charset="0"/>
                 <a:ea typeface="Calibri" panose="020F0502020204030204" pitchFamily="34" charset="0"/>
                 <a:cs typeface="Times New Roman" panose="02020603050405020304" pitchFamily="18" charset="0"/>
               </a:rPr>
-              <a:t>Comparison</a:t>
-            </a:r>
+              <a:t>Results</a:t>
+            </a:r>
+            <a:endParaRPr lang="en-HK" sz="2600" dirty="0">
+              <a:solidFill>
+                <a:schemeClr val="bg1"/>
+              </a:solidFill>
+              <a:effectLst/>
+              <a:latin typeface="Calibri" panose="020F0502020204030204" pitchFamily="34" charset="0"/>
+              <a:ea typeface="Calibri" panose="020F0502020204030204" pitchFamily="34" charset="0"/>
+              <a:cs typeface="Times New Roman" panose="02020603050405020304" pitchFamily="18" charset="0"/>
+            </a:endParaRPr>
           </a:p>
         </p:txBody>
       </p:sp>
       <p:pic>
         <p:nvPicPr>
-          <p:cNvPr id="3" name="Picture 2" descr="Chart, scatter chart, bubble chart&#10;&#10;Description automatically generated">
-            <a:extLst>
-              <a:ext uri="{FF2B5EF4-FFF2-40B4-BE49-F238E27FC236}">
-                <a16:creationId xmlns:a16="http://schemas.microsoft.com/office/drawing/2014/main" id="{5CA05D07-FE69-ED52-1F5D-8C716411FD4B}"/>
+          <p:cNvPr id="5" name="Picture 4" descr="Graphical user interface, chart, line chart&#10;&#10;Description automatically generated">
+            <a:extLst>
+              <a:ext uri="{FF2B5EF4-FFF2-40B4-BE49-F238E27FC236}">
+                <a16:creationId xmlns:a16="http://schemas.microsoft.com/office/drawing/2014/main" id="{F411B69F-63A5-6F1B-421E-EB2D8477DEF7}"/>
               </a:ext>
             </a:extLst>
           </p:cNvPr>
@@ -4155,80 +4258,8 @@
         </p:blipFill>
         <p:spPr>
           <a:xfrm>
-            <a:off x="7672253" y="352303"/>
-            <a:ext cx="3782621" cy="2836966"/>
-          </a:xfrm>
-          <a:prstGeom prst="rect">
-            <a:avLst/>
-          </a:prstGeom>
-        </p:spPr>
-      </p:pic>
-      <p:pic>
-        <p:nvPicPr>
-          <p:cNvPr id="8" name="Picture 7" descr="Chart, histogram&#10;&#10;Description automatically generated">
-            <a:extLst>
-              <a:ext uri="{FF2B5EF4-FFF2-40B4-BE49-F238E27FC236}">
-                <a16:creationId xmlns:a16="http://schemas.microsoft.com/office/drawing/2014/main" id="{0835FA4F-00D6-380F-98F1-A8C6871D3B3C}"/>
-              </a:ext>
-            </a:extLst>
-          </p:cNvPr>
-          <p:cNvPicPr>
-            <a:picLocks noChangeAspect="1"/>
-          </p:cNvPicPr>
-          <p:nvPr/>
-        </p:nvPicPr>
-        <p:blipFill>
-          <a:blip r:embed="rId3">
-            <a:extLst>
-              <a:ext uri="{28A0092B-C50C-407E-A947-70E740481C1C}">
-                <a14:useLocalDpi xmlns:a14="http://schemas.microsoft.com/office/drawing/2010/main" val="0"/>
-              </a:ext>
-            </a:extLst>
-          </a:blip>
-          <a:stretch>
-            <a:fillRect/>
-          </a:stretch>
-        </p:blipFill>
-        <p:spPr>
-          <a:xfrm>
-            <a:off x="3889632" y="352303"/>
-            <a:ext cx="3782621" cy="2836966"/>
-          </a:xfrm>
-          <a:prstGeom prst="rect">
-            <a:avLst/>
-          </a:prstGeom>
-        </p:spPr>
-      </p:pic>
-      <p:pic>
-        <p:nvPicPr>
-          <p:cNvPr id="11" name="Picture 10" descr="Chart, line chart&#10;&#10;Description automatically generated">
-            <a:extLst>
-              <a:ext uri="{FF2B5EF4-FFF2-40B4-BE49-F238E27FC236}">
-                <a16:creationId xmlns:a16="http://schemas.microsoft.com/office/drawing/2014/main" id="{210C10D6-B809-2C9E-E685-388330157865}"/>
-              </a:ext>
-            </a:extLst>
-          </p:cNvPr>
-          <p:cNvPicPr>
-            <a:picLocks noChangeAspect="1"/>
-          </p:cNvPicPr>
-          <p:nvPr/>
-        </p:nvPicPr>
-        <p:blipFill>
-          <a:blip r:embed="rId4">
-            <a:extLst>
-              <a:ext uri="{28A0092B-C50C-407E-A947-70E740481C1C}">
-                <a14:useLocalDpi xmlns:a14="http://schemas.microsoft.com/office/drawing/2010/main" val="0"/>
-              </a:ext>
-            </a:extLst>
-          </a:blip>
-          <a:stretch>
-            <a:fillRect/>
-          </a:stretch>
-        </p:blipFill>
-        <p:spPr>
-          <a:xfrm>
-            <a:off x="5498420" y="3668731"/>
-            <a:ext cx="3782621" cy="2836966"/>
+            <a:off x="3611195" y="1600250"/>
+            <a:ext cx="8409091" cy="3363636"/>
           </a:xfrm>
           <a:prstGeom prst="rect">
             <a:avLst/>
@@ -4238,7 +4269,7 @@
     </p:spTree>
     <p:extLst>
       <p:ext uri="{BB962C8B-B14F-4D97-AF65-F5344CB8AC3E}">
-        <p14:creationId xmlns:p14="http://schemas.microsoft.com/office/powerpoint/2010/main" val="2447364906"/>
+        <p14:creationId xmlns:p14="http://schemas.microsoft.com/office/powerpoint/2010/main" val="3548023324"/>
       </p:ext>
     </p:extLst>
   </p:cSld>
@@ -4434,6 +4465,318 @@
                 <a:ea typeface="Calibri" panose="020F0502020204030204" pitchFamily="34" charset="0"/>
                 <a:cs typeface="Times New Roman" panose="02020603050405020304" pitchFamily="18" charset="0"/>
               </a:rPr>
+              <a:t>Comparison</a:t>
+            </a:r>
+          </a:p>
+        </p:txBody>
+      </p:sp>
+      <p:pic>
+        <p:nvPicPr>
+          <p:cNvPr id="3" name="Picture 2" descr="Chart, scatter chart, bubble chart&#10;&#10;Description automatically generated">
+            <a:extLst>
+              <a:ext uri="{FF2B5EF4-FFF2-40B4-BE49-F238E27FC236}">
+                <a16:creationId xmlns:a16="http://schemas.microsoft.com/office/drawing/2014/main" id="{5CA05D07-FE69-ED52-1F5D-8C716411FD4B}"/>
+              </a:ext>
+            </a:extLst>
+          </p:cNvPr>
+          <p:cNvPicPr>
+            <a:picLocks noChangeAspect="1"/>
+          </p:cNvPicPr>
+          <p:nvPr/>
+        </p:nvPicPr>
+        <p:blipFill>
+          <a:blip r:embed="rId2">
+            <a:extLst>
+              <a:ext uri="{28A0092B-C50C-407E-A947-70E740481C1C}">
+                <a14:useLocalDpi xmlns:a14="http://schemas.microsoft.com/office/drawing/2010/main" val="0"/>
+              </a:ext>
+            </a:extLst>
+          </a:blip>
+          <a:stretch>
+            <a:fillRect/>
+          </a:stretch>
+        </p:blipFill>
+        <p:spPr>
+          <a:xfrm>
+            <a:off x="7933510" y="592034"/>
+            <a:ext cx="3782621" cy="2836966"/>
+          </a:xfrm>
+          <a:prstGeom prst="rect">
+            <a:avLst/>
+          </a:prstGeom>
+        </p:spPr>
+      </p:pic>
+      <p:pic>
+        <p:nvPicPr>
+          <p:cNvPr id="9" name="Picture 8" descr="Chart, line chart&#10;&#10;Description automatically generated">
+            <a:extLst>
+              <a:ext uri="{FF2B5EF4-FFF2-40B4-BE49-F238E27FC236}">
+                <a16:creationId xmlns:a16="http://schemas.microsoft.com/office/drawing/2014/main" id="{391FADAE-AD22-A9FA-C298-9907C7637255}"/>
+              </a:ext>
+            </a:extLst>
+          </p:cNvPr>
+          <p:cNvPicPr>
+            <a:picLocks noChangeAspect="1"/>
+          </p:cNvPicPr>
+          <p:nvPr/>
+        </p:nvPicPr>
+        <p:blipFill>
+          <a:blip r:embed="rId3">
+            <a:extLst>
+              <a:ext uri="{28A0092B-C50C-407E-A947-70E740481C1C}">
+                <a14:useLocalDpi xmlns:a14="http://schemas.microsoft.com/office/drawing/2010/main" val="0"/>
+              </a:ext>
+            </a:extLst>
+          </a:blip>
+          <a:stretch>
+            <a:fillRect/>
+          </a:stretch>
+        </p:blipFill>
+        <p:spPr>
+          <a:xfrm>
+            <a:off x="5553904" y="3714112"/>
+            <a:ext cx="3893121" cy="2919841"/>
+          </a:xfrm>
+          <a:prstGeom prst="rect">
+            <a:avLst/>
+          </a:prstGeom>
+        </p:spPr>
+      </p:pic>
+      <p:pic>
+        <p:nvPicPr>
+          <p:cNvPr id="14" name="Picture 13" descr="Chart, histogram&#10;&#10;Description automatically generated">
+            <a:extLst>
+              <a:ext uri="{FF2B5EF4-FFF2-40B4-BE49-F238E27FC236}">
+                <a16:creationId xmlns:a16="http://schemas.microsoft.com/office/drawing/2014/main" id="{55DBBC24-452E-097B-176D-9212FAB5326F}"/>
+              </a:ext>
+            </a:extLst>
+          </p:cNvPr>
+          <p:cNvPicPr>
+            <a:picLocks noChangeAspect="1"/>
+          </p:cNvPicPr>
+          <p:nvPr/>
+        </p:nvPicPr>
+        <p:blipFill>
+          <a:blip r:embed="rId4">
+            <a:extLst>
+              <a:ext uri="{28A0092B-C50C-407E-A947-70E740481C1C}">
+                <a14:useLocalDpi xmlns:a14="http://schemas.microsoft.com/office/drawing/2010/main" val="0"/>
+              </a:ext>
+            </a:extLst>
+          </a:blip>
+          <a:stretch>
+            <a:fillRect/>
+          </a:stretch>
+        </p:blipFill>
+        <p:spPr>
+          <a:xfrm>
+            <a:off x="3521901" y="592034"/>
+            <a:ext cx="3782621" cy="2836966"/>
+          </a:xfrm>
+          <a:prstGeom prst="rect">
+            <a:avLst/>
+          </a:prstGeom>
+        </p:spPr>
+      </p:pic>
+    </p:spTree>
+    <p:extLst>
+      <p:ext uri="{BB962C8B-B14F-4D97-AF65-F5344CB8AC3E}">
+        <p14:creationId xmlns:p14="http://schemas.microsoft.com/office/powerpoint/2010/main" val="2447364906"/>
+      </p:ext>
+    </p:extLst>
+  </p:cSld>
+  <p:clrMapOvr>
+    <a:masterClrMapping/>
+  </p:clrMapOvr>
+</p:sld>
+</file>
+
+<file path=ppt/slides/slide13.xml><?xml version="1.0" encoding="utf-8"?>
+<p:sld xmlns:a="http://schemas.openxmlformats.org/drawingml/2006/main" xmlns:r="http://schemas.openxmlformats.org/officeDocument/2006/relationships" xmlns:p="http://schemas.openxmlformats.org/presentationml/2006/main">
+  <p:cSld>
+    <p:bg>
+      <p:bgPr>
+        <a:solidFill>
+          <a:schemeClr val="bg1"/>
+        </a:solidFill>
+        <a:effectLst/>
+      </p:bgPr>
+    </p:bg>
+    <p:spTree>
+      <p:nvGrpSpPr>
+        <p:cNvPr id="1" name=""/>
+        <p:cNvGrpSpPr/>
+        <p:nvPr/>
+      </p:nvGrpSpPr>
+      <p:grpSpPr>
+        <a:xfrm>
+          <a:off x="0" y="0"/>
+          <a:ext cx="0" cy="0"/>
+          <a:chOff x="0" y="0"/>
+          <a:chExt cx="0" cy="0"/>
+        </a:xfrm>
+      </p:grpSpPr>
+      <p:sp>
+        <p:nvSpPr>
+          <p:cNvPr id="10" name="Rectangle 9">
+            <a:extLst>
+              <a:ext uri="{FF2B5EF4-FFF2-40B4-BE49-F238E27FC236}">
+                <a16:creationId xmlns:a16="http://schemas.microsoft.com/office/drawing/2014/main" id="{42A5316D-ED2F-4F89-B4B4-8D9240B1A348}"/>
+              </a:ext>
+              <a:ext uri="{C183D7F6-B498-43B3-948B-1728B52AA6E4}">
+                <adec:decorative xmlns:adec="http://schemas.microsoft.com/office/drawing/2017/decorative" val="1"/>
+              </a:ext>
+            </a:extLst>
+          </p:cNvPr>
+          <p:cNvSpPr>
+            <a:spLocks noGrp="1" noRot="1" noChangeAspect="1" noMove="1" noResize="1" noEditPoints="1" noAdjustHandles="1" noChangeArrowheads="1" noChangeShapeType="1" noTextEdit="1"/>
+          </p:cNvSpPr>
+          <p:nvPr>
+            <p:extLst>
+              <p:ext uri="{386F3935-93C4-4BCD-93E2-E3B085C9AB24}">
+                <p16:designElem xmlns:p16="http://schemas.microsoft.com/office/powerpoint/2015/main" val="1"/>
+              </p:ext>
+            </p:extLst>
+          </p:nvPr>
+        </p:nvSpPr>
+        <p:spPr>
+          <a:xfrm>
+            <a:off x="0" y="0"/>
+            <a:ext cx="2013557" cy="6858000"/>
+          </a:xfrm>
+          <a:prstGeom prst="rect">
+            <a:avLst/>
+          </a:prstGeom>
+          <a:solidFill>
+            <a:srgbClr val="4F453A"/>
+          </a:solidFill>
+          <a:ln>
+            <a:noFill/>
+          </a:ln>
+        </p:spPr>
+        <p:style>
+          <a:lnRef idx="2">
+            <a:schemeClr val="accent1">
+              <a:shade val="50000"/>
+            </a:schemeClr>
+          </a:lnRef>
+          <a:fillRef idx="1">
+            <a:schemeClr val="accent1"/>
+          </a:fillRef>
+          <a:effectRef idx="0">
+            <a:schemeClr val="accent1"/>
+          </a:effectRef>
+          <a:fontRef idx="minor">
+            <a:schemeClr val="lt1"/>
+          </a:fontRef>
+        </p:style>
+        <p:txBody>
+          <a:bodyPr rtlCol="0" anchor="ctr"/>
+          <a:lstStyle/>
+          <a:p>
+            <a:pPr marL="0" marR="0" lvl="0" indent="0" algn="ctr" defTabSz="914400" rtl="0" eaLnBrk="1" fontAlgn="auto" latinLnBrk="0" hangingPunct="1">
+              <a:lnSpc>
+                <a:spcPct val="100000"/>
+              </a:lnSpc>
+              <a:spcBef>
+                <a:spcPts val="0"/>
+              </a:spcBef>
+              <a:spcAft>
+                <a:spcPts val="0"/>
+              </a:spcAft>
+              <a:buClrTx/>
+              <a:buSzTx/>
+              <a:buFontTx/>
+              <a:buNone/>
+              <a:tabLst/>
+              <a:defRPr/>
+            </a:pPr>
+            <a:endParaRPr kumimoji="0" lang="en-US" sz="1800" b="0" i="0" u="none" strike="noStrike" kern="1200" cap="none" spc="0" normalizeH="0" baseline="0" noProof="0">
+              <a:ln>
+                <a:noFill/>
+              </a:ln>
+              <a:solidFill>
+                <a:prstClr val="white"/>
+              </a:solidFill>
+              <a:effectLst/>
+              <a:uLnTx/>
+              <a:uFillTx/>
+              <a:latin typeface="Calibri" panose="020F0502020204030204"/>
+              <a:ea typeface="+mn-ea"/>
+              <a:cs typeface="+mn-cs"/>
+            </a:endParaRPr>
+          </a:p>
+        </p:txBody>
+      </p:sp>
+      <p:sp>
+        <p:nvSpPr>
+          <p:cNvPr id="12" name="Title 1">
+            <a:extLst>
+              <a:ext uri="{FF2B5EF4-FFF2-40B4-BE49-F238E27FC236}">
+                <a16:creationId xmlns:a16="http://schemas.microsoft.com/office/drawing/2014/main" id="{70C9DA38-3750-A7E9-F5E0-6BE8DD6EB085}"/>
+              </a:ext>
+            </a:extLst>
+          </p:cNvPr>
+          <p:cNvSpPr txBox="1">
+            <a:spLocks/>
+          </p:cNvSpPr>
+          <p:nvPr/>
+        </p:nvSpPr>
+        <p:spPr>
+          <a:xfrm>
+            <a:off x="694510" y="1487272"/>
+            <a:ext cx="2743200" cy="2743200"/>
+          </a:xfrm>
+          <a:prstGeom prst="ellipse">
+            <a:avLst/>
+          </a:prstGeom>
+          <a:solidFill>
+            <a:srgbClr val="262626"/>
+          </a:solidFill>
+          <a:ln w="174625" cmpd="thinThick">
+            <a:solidFill>
+              <a:srgbClr val="262626"/>
+            </a:solidFill>
+          </a:ln>
+        </p:spPr>
+        <p:txBody>
+          <a:bodyPr vert="horz" lIns="91440" tIns="45720" rIns="91440" bIns="45720" rtlCol="0" anchor="ctr">
+            <a:normAutofit/>
+          </a:bodyPr>
+          <a:lstStyle>
+            <a:lvl1pPr algn="l" defTabSz="914400" rtl="0" eaLnBrk="1" latinLnBrk="0" hangingPunct="1">
+              <a:lnSpc>
+                <a:spcPct val="90000"/>
+              </a:lnSpc>
+              <a:spcBef>
+                <a:spcPct val="0"/>
+              </a:spcBef>
+              <a:buNone/>
+              <a:defRPr sz="4400" kern="1200">
+                <a:solidFill>
+                  <a:schemeClr val="tx1"/>
+                </a:solidFill>
+                <a:latin typeface="+mj-lt"/>
+                <a:ea typeface="+mj-ea"/>
+                <a:cs typeface="+mj-cs"/>
+              </a:defRPr>
+            </a:lvl1pPr>
+          </a:lstStyle>
+          <a:p>
+            <a:pPr algn="ctr">
+              <a:spcAft>
+                <a:spcPts val="1000"/>
+              </a:spcAft>
+            </a:pPr>
+            <a:r>
+              <a:rPr lang="en-HK" sz="2800" dirty="0">
+                <a:solidFill>
+                  <a:schemeClr val="bg1"/>
+                </a:solidFill>
+                <a:latin typeface="Calibri" panose="020F0502020204030204" pitchFamily="34" charset="0"/>
+                <a:ea typeface="Calibri" panose="020F0502020204030204" pitchFamily="34" charset="0"/>
+                <a:cs typeface="Times New Roman" panose="02020603050405020304" pitchFamily="18" charset="0"/>
+              </a:rPr>
               <a:t>Future-exploration</a:t>
             </a:r>
           </a:p>
@@ -4488,7 +4831,7 @@
 </p:sld>
 </file>
 
-<file path=ppt/slides/slide13.xml><?xml version="1.0" encoding="utf-8"?>
+<file path=ppt/slides/slide14.xml><?xml version="1.0" encoding="utf-8"?>
 <p:sld xmlns:a="http://schemas.openxmlformats.org/drawingml/2006/main" xmlns:r="http://schemas.openxmlformats.org/officeDocument/2006/relationships" xmlns:p="http://schemas.openxmlformats.org/presentationml/2006/main">
   <p:cSld>
     <p:bg>
